--- a/DOKUMENTACIJA/webappRecepti.pptx
+++ b/DOKUMENTACIJA/webappRecepti.pptx
@@ -121,6 +121,11 @@
       </a:defRPr>
     </a:lvl9pPr>
   </p:defaultTextStyle>
+  <p:extLst>
+    <p:ext uri="{EFAFB233-063F-42B5-8137-9DF3F51BA10A}">
+      <p15:sldGuideLst xmlns:p15="http://schemas.microsoft.com/office/powerpoint/2012/main"/>
+    </p:ext>
+  </p:extLst>
 </p:presentation>
 </file>
 
@@ -347,7 +352,7 @@
           <a:p>
             <a:fld id="{6A4E864B-84AA-430A-AB2F-B98E7506A791}" type="datetimeFigureOut">
               <a:rPr lang="hr-HR" smtClean="0"/>
-              <a:t>11.4.2024.</a:t>
+              <a:t>14.4.2024.</a:t>
             </a:fld>
             <a:endParaRPr lang="hr-HR"/>
           </a:p>
@@ -604,7 +609,7 @@
           <a:p>
             <a:fld id="{6A4E864B-84AA-430A-AB2F-B98E7506A791}" type="datetimeFigureOut">
               <a:rPr lang="hr-HR" smtClean="0"/>
-              <a:t>11.4.2024.</a:t>
+              <a:t>14.4.2024.</a:t>
             </a:fld>
             <a:endParaRPr lang="hr-HR"/>
           </a:p>
@@ -774,7 +779,7 @@
           <a:p>
             <a:fld id="{6A4E864B-84AA-430A-AB2F-B98E7506A791}" type="datetimeFigureOut">
               <a:rPr lang="hr-HR" smtClean="0"/>
-              <a:t>11.4.2024.</a:t>
+              <a:t>14.4.2024.</a:t>
             </a:fld>
             <a:endParaRPr lang="hr-HR"/>
           </a:p>
@@ -954,7 +959,7 @@
           <a:p>
             <a:fld id="{6A4E864B-84AA-430A-AB2F-B98E7506A791}" type="datetimeFigureOut">
               <a:rPr lang="hr-HR" smtClean="0"/>
-              <a:t>11.4.2024.</a:t>
+              <a:t>14.4.2024.</a:t>
             </a:fld>
             <a:endParaRPr lang="hr-HR"/>
           </a:p>
@@ -1238,7 +1243,7 @@
           <a:p>
             <a:fld id="{6A4E864B-84AA-430A-AB2F-B98E7506A791}" type="datetimeFigureOut">
               <a:rPr lang="hr-HR" smtClean="0"/>
-              <a:t>11.4.2024.</a:t>
+              <a:t>14.4.2024.</a:t>
             </a:fld>
             <a:endParaRPr lang="hr-HR"/>
           </a:p>
@@ -1487,7 +1492,7 @@
           <a:p>
             <a:fld id="{6A4E864B-84AA-430A-AB2F-B98E7506A791}" type="datetimeFigureOut">
               <a:rPr lang="hr-HR" smtClean="0"/>
-              <a:t>11.4.2024.</a:t>
+              <a:t>14.4.2024.</a:t>
             </a:fld>
             <a:endParaRPr lang="hr-HR"/>
           </a:p>
@@ -1733,7 +1738,7 @@
           <a:p>
             <a:fld id="{6A4E864B-84AA-430A-AB2F-B98E7506A791}" type="datetimeFigureOut">
               <a:rPr lang="hr-HR" smtClean="0"/>
-              <a:t>11.4.2024.</a:t>
+              <a:t>14.4.2024.</a:t>
             </a:fld>
             <a:endParaRPr lang="hr-HR"/>
           </a:p>
@@ -2021,7 +2026,7 @@
           <a:p>
             <a:fld id="{6A4E864B-84AA-430A-AB2F-B98E7506A791}" type="datetimeFigureOut">
               <a:rPr lang="hr-HR" smtClean="0"/>
-              <a:t>11.4.2024.</a:t>
+              <a:t>14.4.2024.</a:t>
             </a:fld>
             <a:endParaRPr lang="hr-HR"/>
           </a:p>
@@ -2511,7 +2516,7 @@
           <a:p>
             <a:fld id="{6A4E864B-84AA-430A-AB2F-B98E7506A791}" type="datetimeFigureOut">
               <a:rPr lang="hr-HR" smtClean="0"/>
-              <a:t>11.4.2024.</a:t>
+              <a:t>14.4.2024.</a:t>
             </a:fld>
             <a:endParaRPr lang="hr-HR"/>
           </a:p>
@@ -2629,7 +2634,7 @@
           <a:p>
             <a:fld id="{6A4E864B-84AA-430A-AB2F-B98E7506A791}" type="datetimeFigureOut">
               <a:rPr lang="hr-HR" smtClean="0"/>
-              <a:t>11.4.2024.</a:t>
+              <a:t>14.4.2024.</a:t>
             </a:fld>
             <a:endParaRPr lang="hr-HR"/>
           </a:p>
@@ -2724,7 +2729,7 @@
           <a:p>
             <a:fld id="{6A4E864B-84AA-430A-AB2F-B98E7506A791}" type="datetimeFigureOut">
               <a:rPr lang="hr-HR" smtClean="0"/>
-              <a:t>11.4.2024.</a:t>
+              <a:t>14.4.2024.</a:t>
             </a:fld>
             <a:endParaRPr lang="hr-HR"/>
           </a:p>
@@ -3001,7 +3006,7 @@
           <a:p>
             <a:fld id="{6A4E864B-84AA-430A-AB2F-B98E7506A791}" type="datetimeFigureOut">
               <a:rPr lang="hr-HR" smtClean="0"/>
-              <a:t>11.4.2024.</a:t>
+              <a:t>14.4.2024.</a:t>
             </a:fld>
             <a:endParaRPr lang="hr-HR"/>
           </a:p>
@@ -3223,7 +3228,7 @@
           <a:p>
             <a:fld id="{6A4E864B-84AA-430A-AB2F-B98E7506A791}" type="datetimeFigureOut">
               <a:rPr lang="hr-HR" smtClean="0"/>
-              <a:t>11.4.2024.</a:t>
+              <a:t>14.4.2024.</a:t>
             </a:fld>
             <a:endParaRPr lang="hr-HR"/>
           </a:p>
@@ -3807,13 +3812,13 @@
   <p:clrMapOvr>
     <a:masterClrMapping/>
   </p:clrMapOvr>
-  <mc:AlternateContent xmlns:mc="http://schemas.openxmlformats.org/markup-compatibility/2006">
-    <mc:Choice xmlns:p159="http://schemas.microsoft.com/office/powerpoint/2015/09/main" Requires="p159">
+  <mc:AlternateContent xmlns:mc="http://schemas.openxmlformats.org/markup-compatibility/2006" xmlns:p159="http://schemas.microsoft.com/office/powerpoint/2015/09/main">
+    <mc:Choice Requires="p159">
       <p:transition xmlns:p14="http://schemas.microsoft.com/office/powerpoint/2010/main" spd="slow" p14:dur="2000">
         <p159:morph option="byObject"/>
       </p:transition>
     </mc:Choice>
-    <mc:Fallback>
+    <mc:Fallback xmlns="">
       <p:transition spd="slow">
         <p:fade/>
       </p:transition>
@@ -3929,13 +3934,13 @@
   <p:clrMapOvr>
     <a:masterClrMapping/>
   </p:clrMapOvr>
-  <mc:AlternateContent xmlns:mc="http://schemas.openxmlformats.org/markup-compatibility/2006">
-    <mc:Choice xmlns:p159="http://schemas.microsoft.com/office/powerpoint/2015/09/main" Requires="p159">
+  <mc:AlternateContent xmlns:mc="http://schemas.openxmlformats.org/markup-compatibility/2006" xmlns:p159="http://schemas.microsoft.com/office/powerpoint/2015/09/main">
+    <mc:Choice Requires="p159">
       <p:transition xmlns:p14="http://schemas.microsoft.com/office/powerpoint/2010/main" spd="slow" p14:dur="2000">
         <p159:morph option="byObject"/>
       </p:transition>
     </mc:Choice>
-    <mc:Fallback>
+    <mc:Fallback xmlns="">
       <p:transition spd="slow">
         <p:fade/>
       </p:transition>
@@ -4228,9 +4233,16 @@
             <p:ph type="title"/>
           </p:nvPr>
         </p:nvSpPr>
-        <p:spPr/>
-        <p:txBody>
-          <a:bodyPr/>
+        <p:spPr>
+          <a:xfrm>
+            <a:off x="598620" y="985720"/>
+            <a:ext cx="10994760" cy="985720"/>
+          </a:xfrm>
+        </p:spPr>
+        <p:txBody>
+          <a:bodyPr anchor="ctr">
+            <a:normAutofit/>
+          </a:bodyPr>
           <a:lstStyle/>
           <a:p>
             <a:r>
@@ -4240,28 +4252,129 @@
           </a:p>
         </p:txBody>
       </p:sp>
-      <p:sp>
-        <p:nvSpPr>
-          <p:cNvPr id="3" name="Rezervirano mjesto sadržaja 2">
+      <p:pic>
+        <p:nvPicPr>
+          <p:cNvPr id="11" name="Slika 10">
             <a:extLst>
               <a:ext uri="{FF2B5EF4-FFF2-40B4-BE49-F238E27FC236}">
-                <a16:creationId xmlns:a16="http://schemas.microsoft.com/office/drawing/2014/main" id="{BB703688-C553-5B88-CE06-AECCF1D96645}"/>
+                <a16:creationId xmlns:a16="http://schemas.microsoft.com/office/drawing/2014/main" id="{7BBA58BB-229F-CC70-2F18-024631BD9BC8}"/>
               </a:ext>
             </a:extLst>
           </p:cNvPr>
-          <p:cNvSpPr>
-            <a:spLocks noGrp="1"/>
-          </p:cNvSpPr>
-          <p:nvPr>
-            <p:ph idx="1"/>
-          </p:nvPr>
-        </p:nvSpPr>
-        <p:spPr/>
-        <p:txBody>
-          <a:bodyPr/>
-          <a:lstStyle/>
-          <a:p>
-            <a:endParaRPr lang="hr-HR" dirty="0"/>
+          <p:cNvPicPr>
+            <a:picLocks noChangeAspect="1"/>
+          </p:cNvPicPr>
+          <p:nvPr/>
+        </p:nvPicPr>
+        <p:blipFill>
+          <a:blip r:embed="rId2"/>
+          <a:stretch>
+            <a:fillRect/>
+          </a:stretch>
+        </p:blipFill>
+        <p:spPr>
+          <a:xfrm>
+            <a:off x="2553094" y="2456631"/>
+            <a:ext cx="7085812" cy="4120433"/>
+          </a:xfrm>
+          <a:prstGeom prst="rect">
+            <a:avLst/>
+          </a:prstGeom>
+        </p:spPr>
+      </p:pic>
+      <p:sp>
+        <p:nvSpPr>
+          <p:cNvPr id="12" name="Pravokutnik 11">
+            <a:extLst>
+              <a:ext uri="{FF2B5EF4-FFF2-40B4-BE49-F238E27FC236}">
+                <a16:creationId xmlns:a16="http://schemas.microsoft.com/office/drawing/2014/main" id="{7E9B9537-7232-5AB8-7402-7BAA67127A3E}"/>
+              </a:ext>
+            </a:extLst>
+          </p:cNvPr>
+          <p:cNvSpPr/>
+          <p:nvPr/>
+        </p:nvSpPr>
+        <p:spPr>
+          <a:xfrm>
+            <a:off x="7942903" y="3592285"/>
+            <a:ext cx="989045" cy="289249"/>
+          </a:xfrm>
+          <a:prstGeom prst="rect">
+            <a:avLst/>
+          </a:prstGeom>
+          <a:solidFill>
+            <a:schemeClr val="bg1"/>
+          </a:solidFill>
+          <a:ln>
+            <a:solidFill>
+              <a:schemeClr val="bg1"/>
+            </a:solidFill>
+          </a:ln>
+        </p:spPr>
+        <p:style>
+          <a:lnRef idx="2">
+            <a:schemeClr val="accent1">
+              <a:shade val="15000"/>
+            </a:schemeClr>
+          </a:lnRef>
+          <a:fillRef idx="1">
+            <a:schemeClr val="accent1"/>
+          </a:fillRef>
+          <a:effectRef idx="0">
+            <a:schemeClr val="accent1"/>
+          </a:effectRef>
+          <a:fontRef idx="minor">
+            <a:schemeClr val="lt1"/>
+          </a:fontRef>
+        </p:style>
+        <p:txBody>
+          <a:bodyPr rtlCol="0" anchor="ctr"/>
+          <a:lstStyle/>
+          <a:p>
+            <a:pPr algn="ctr"/>
+            <a:endParaRPr lang="hr-HR"/>
+          </a:p>
+        </p:txBody>
+      </p:sp>
+      <p:sp>
+        <p:nvSpPr>
+          <p:cNvPr id="13" name="TekstniOkvir 12">
+            <a:extLst>
+              <a:ext uri="{FF2B5EF4-FFF2-40B4-BE49-F238E27FC236}">
+                <a16:creationId xmlns:a16="http://schemas.microsoft.com/office/drawing/2014/main" id="{FBEF4EBA-5ACA-14E9-4F25-119A9CBC5244}"/>
+              </a:ext>
+            </a:extLst>
+          </p:cNvPr>
+          <p:cNvSpPr txBox="1"/>
+          <p:nvPr/>
+        </p:nvSpPr>
+        <p:spPr>
+          <a:xfrm>
+            <a:off x="8026400" y="3512202"/>
+            <a:ext cx="1000369" cy="369332"/>
+          </a:xfrm>
+          <a:prstGeom prst="rect">
+            <a:avLst/>
+          </a:prstGeom>
+          <a:noFill/>
+        </p:spPr>
+        <p:txBody>
+          <a:bodyPr wrap="square" rtlCol="0">
+            <a:spAutoFit/>
+          </a:bodyPr>
+          <a:lstStyle/>
+          <a:p>
+            <a:r>
+              <a:rPr lang="hr-HR" dirty="0" err="1">
+                <a:latin typeface="Arial" panose="020B0604020202020204" pitchFamily="34" charset="0"/>
+                <a:cs typeface="Arial" panose="020B0604020202020204" pitchFamily="34" charset="0"/>
+              </a:rPr>
+              <a:t>SQLite</a:t>
+            </a:r>
+            <a:endParaRPr lang="hr-HR" dirty="0">
+              <a:latin typeface="Arial" panose="020B0604020202020204" pitchFamily="34" charset="0"/>
+              <a:cs typeface="Arial" panose="020B0604020202020204" pitchFamily="34" charset="0"/>
+            </a:endParaRPr>
           </a:p>
         </p:txBody>
       </p:sp>
@@ -5701,13 +5814,13 @@
   <p:clrMapOvr>
     <a:masterClrMapping/>
   </p:clrMapOvr>
-  <mc:AlternateContent xmlns:mc="http://schemas.openxmlformats.org/markup-compatibility/2006">
-    <mc:Choice xmlns:p159="http://schemas.microsoft.com/office/powerpoint/2015/09/main" Requires="p159">
+  <mc:AlternateContent xmlns:mc="http://schemas.openxmlformats.org/markup-compatibility/2006" xmlns:p159="http://schemas.microsoft.com/office/powerpoint/2015/09/main">
+    <mc:Choice Requires="p159">
       <p:transition xmlns:p14="http://schemas.microsoft.com/office/powerpoint/2010/main" spd="slow" p14:dur="2000">
         <p159:morph option="byObject"/>
       </p:transition>
     </mc:Choice>
-    <mc:Fallback>
+    <mc:Fallback xmlns="">
       <p:transition spd="slow">
         <p:fade/>
       </p:transition>
@@ -5838,13 +5951,13 @@
   <p:clrMapOvr>
     <a:masterClrMapping/>
   </p:clrMapOvr>
-  <mc:AlternateContent xmlns:mc="http://schemas.openxmlformats.org/markup-compatibility/2006">
-    <mc:Choice xmlns:p159="http://schemas.microsoft.com/office/powerpoint/2015/09/main" Requires="p159">
+  <mc:AlternateContent xmlns:mc="http://schemas.openxmlformats.org/markup-compatibility/2006" xmlns:p159="http://schemas.microsoft.com/office/powerpoint/2015/09/main">
+    <mc:Choice Requires="p159">
       <p:transition xmlns:p14="http://schemas.microsoft.com/office/powerpoint/2010/main" spd="slow" p14:dur="2000">
         <p159:morph option="byObject"/>
       </p:transition>
     </mc:Choice>
-    <mc:Fallback>
+    <mc:Fallback xmlns="">
       <p:transition spd="slow">
         <p:fade/>
       </p:transition>
@@ -5960,13 +6073,13 @@
   <p:clrMapOvr>
     <a:masterClrMapping/>
   </p:clrMapOvr>
-  <mc:AlternateContent xmlns:mc="http://schemas.openxmlformats.org/markup-compatibility/2006">
-    <mc:Choice xmlns:p159="http://schemas.microsoft.com/office/powerpoint/2015/09/main" Requires="p159">
+  <mc:AlternateContent xmlns:mc="http://schemas.openxmlformats.org/markup-compatibility/2006" xmlns:p159="http://schemas.microsoft.com/office/powerpoint/2015/09/main">
+    <mc:Choice Requires="p159">
       <p:transition xmlns:p14="http://schemas.microsoft.com/office/powerpoint/2010/main" spd="slow" p14:dur="2000">
         <p159:morph option="byObject"/>
       </p:transition>
     </mc:Choice>
-    <mc:Fallback>
+    <mc:Fallback xmlns="">
       <p:transition spd="slow">
         <p:fade/>
       </p:transition>
@@ -6082,13 +6195,13 @@
   <p:clrMapOvr>
     <a:masterClrMapping/>
   </p:clrMapOvr>
-  <mc:AlternateContent xmlns:mc="http://schemas.openxmlformats.org/markup-compatibility/2006">
-    <mc:Choice xmlns:p159="http://schemas.microsoft.com/office/powerpoint/2015/09/main" Requires="p159">
+  <mc:AlternateContent xmlns:mc="http://schemas.openxmlformats.org/markup-compatibility/2006" xmlns:p159="http://schemas.microsoft.com/office/powerpoint/2015/09/main">
+    <mc:Choice Requires="p159">
       <p:transition xmlns:p14="http://schemas.microsoft.com/office/powerpoint/2010/main" spd="slow" p14:dur="2000">
         <p159:morph option="byObject"/>
       </p:transition>
     </mc:Choice>
-    <mc:Fallback>
+    <mc:Fallback xmlns="">
       <p:transition spd="slow">
         <p:fade/>
       </p:transition>

--- a/DOKUMENTACIJA/webappRecepti.pptx
+++ b/DOKUMENTACIJA/webappRecepti.pptx
@@ -352,7 +352,7 @@
           <a:p>
             <a:fld id="{6A4E864B-84AA-430A-AB2F-B98E7506A791}" type="datetimeFigureOut">
               <a:rPr lang="hr-HR" smtClean="0"/>
-              <a:t>14.4.2024.</a:t>
+              <a:t>16.4.2024.</a:t>
             </a:fld>
             <a:endParaRPr lang="hr-HR"/>
           </a:p>
@@ -609,7 +609,7 @@
           <a:p>
             <a:fld id="{6A4E864B-84AA-430A-AB2F-B98E7506A791}" type="datetimeFigureOut">
               <a:rPr lang="hr-HR" smtClean="0"/>
-              <a:t>14.4.2024.</a:t>
+              <a:t>16.4.2024.</a:t>
             </a:fld>
             <a:endParaRPr lang="hr-HR"/>
           </a:p>
@@ -779,7 +779,7 @@
           <a:p>
             <a:fld id="{6A4E864B-84AA-430A-AB2F-B98E7506A791}" type="datetimeFigureOut">
               <a:rPr lang="hr-HR" smtClean="0"/>
-              <a:t>14.4.2024.</a:t>
+              <a:t>16.4.2024.</a:t>
             </a:fld>
             <a:endParaRPr lang="hr-HR"/>
           </a:p>
@@ -959,7 +959,7 @@
           <a:p>
             <a:fld id="{6A4E864B-84AA-430A-AB2F-B98E7506A791}" type="datetimeFigureOut">
               <a:rPr lang="hr-HR" smtClean="0"/>
-              <a:t>14.4.2024.</a:t>
+              <a:t>16.4.2024.</a:t>
             </a:fld>
             <a:endParaRPr lang="hr-HR"/>
           </a:p>
@@ -1243,7 +1243,7 @@
           <a:p>
             <a:fld id="{6A4E864B-84AA-430A-AB2F-B98E7506A791}" type="datetimeFigureOut">
               <a:rPr lang="hr-HR" smtClean="0"/>
-              <a:t>14.4.2024.</a:t>
+              <a:t>16.4.2024.</a:t>
             </a:fld>
             <a:endParaRPr lang="hr-HR"/>
           </a:p>
@@ -1492,7 +1492,7 @@
           <a:p>
             <a:fld id="{6A4E864B-84AA-430A-AB2F-B98E7506A791}" type="datetimeFigureOut">
               <a:rPr lang="hr-HR" smtClean="0"/>
-              <a:t>14.4.2024.</a:t>
+              <a:t>16.4.2024.</a:t>
             </a:fld>
             <a:endParaRPr lang="hr-HR"/>
           </a:p>
@@ -1738,7 +1738,7 @@
           <a:p>
             <a:fld id="{6A4E864B-84AA-430A-AB2F-B98E7506A791}" type="datetimeFigureOut">
               <a:rPr lang="hr-HR" smtClean="0"/>
-              <a:t>14.4.2024.</a:t>
+              <a:t>16.4.2024.</a:t>
             </a:fld>
             <a:endParaRPr lang="hr-HR"/>
           </a:p>
@@ -2026,7 +2026,7 @@
           <a:p>
             <a:fld id="{6A4E864B-84AA-430A-AB2F-B98E7506A791}" type="datetimeFigureOut">
               <a:rPr lang="hr-HR" smtClean="0"/>
-              <a:t>14.4.2024.</a:t>
+              <a:t>16.4.2024.</a:t>
             </a:fld>
             <a:endParaRPr lang="hr-HR"/>
           </a:p>
@@ -2516,7 +2516,7 @@
           <a:p>
             <a:fld id="{6A4E864B-84AA-430A-AB2F-B98E7506A791}" type="datetimeFigureOut">
               <a:rPr lang="hr-HR" smtClean="0"/>
-              <a:t>14.4.2024.</a:t>
+              <a:t>16.4.2024.</a:t>
             </a:fld>
             <a:endParaRPr lang="hr-HR"/>
           </a:p>
@@ -2634,7 +2634,7 @@
           <a:p>
             <a:fld id="{6A4E864B-84AA-430A-AB2F-B98E7506A791}" type="datetimeFigureOut">
               <a:rPr lang="hr-HR" smtClean="0"/>
-              <a:t>14.4.2024.</a:t>
+              <a:t>16.4.2024.</a:t>
             </a:fld>
             <a:endParaRPr lang="hr-HR"/>
           </a:p>
@@ -2729,7 +2729,7 @@
           <a:p>
             <a:fld id="{6A4E864B-84AA-430A-AB2F-B98E7506A791}" type="datetimeFigureOut">
               <a:rPr lang="hr-HR" smtClean="0"/>
-              <a:t>14.4.2024.</a:t>
+              <a:t>16.4.2024.</a:t>
             </a:fld>
             <a:endParaRPr lang="hr-HR"/>
           </a:p>
@@ -3006,7 +3006,7 @@
           <a:p>
             <a:fld id="{6A4E864B-84AA-430A-AB2F-B98E7506A791}" type="datetimeFigureOut">
               <a:rPr lang="hr-HR" smtClean="0"/>
-              <a:t>14.4.2024.</a:t>
+              <a:t>16.4.2024.</a:t>
             </a:fld>
             <a:endParaRPr lang="hr-HR"/>
           </a:p>
@@ -3228,7 +3228,7 @@
           <a:p>
             <a:fld id="{6A4E864B-84AA-430A-AB2F-B98E7506A791}" type="datetimeFigureOut">
               <a:rPr lang="hr-HR" smtClean="0"/>
-              <a:t>14.4.2024.</a:t>
+              <a:t>16.4.2024.</a:t>
             </a:fld>
             <a:endParaRPr lang="hr-HR"/>
           </a:p>
@@ -4923,7 +4923,7 @@
         </p:spPr>
         <p:txBody>
           <a:bodyPr anchor="ctr">
-            <a:normAutofit/>
+            <a:normAutofit fontScale="90000"/>
           </a:bodyPr>
           <a:lstStyle/>
           <a:p>
@@ -4931,6 +4931,23 @@
               <a:rPr lang="hr-HR" sz="6000" b="1" dirty="0"/>
               <a:t>DEMONSTRACIJA APLIKACIJE</a:t>
             </a:r>
+            <a:br>
+              <a:rPr lang="hr-HR" sz="6000" b="1" dirty="0"/>
+            </a:br>
+            <a:r>
+              <a:rPr lang="hr-HR" sz="4000" b="1" dirty="0">
+                <a:solidFill>
+                  <a:srgbClr val="0070C0"/>
+                </a:solidFill>
+                <a:hlinkClick r:id="rId2"/>
+              </a:rPr>
+              <a:t>https://www.youtube.com/watch?v=Tod6pIuoQfA</a:t>
+            </a:r>
+            <a:endParaRPr lang="hr-HR" sz="6000" b="1" dirty="0">
+              <a:solidFill>
+                <a:srgbClr val="0070C0"/>
+              </a:solidFill>
+            </a:endParaRPr>
           </a:p>
         </p:txBody>
       </p:sp>
